--- a/PptxTemplater.Tests/files/ReplaceTablesAndPictures.pptx
+++ b/PptxTemplater.Tests/files/ReplaceTablesAndPictures.pptx
@@ -288,7 +288,7 @@
           <a:p>
             <a:fld id="{9590FFE3-C293-4A33-9B39-8AEB2E816A96}" type="datetimeFigureOut">
               <a:rPr lang="fr-FR" smtClean="0"/>
-              <a:t>19/10/2012</a:t>
+              <a:t>28/11/2012</a:t>
             </a:fld>
             <a:endParaRPr lang="fr-FR"/>
           </a:p>
@@ -458,7 +458,7 @@
           <a:p>
             <a:fld id="{9590FFE3-C293-4A33-9B39-8AEB2E816A96}" type="datetimeFigureOut">
               <a:rPr lang="fr-FR" smtClean="0"/>
-              <a:t>19/10/2012</a:t>
+              <a:t>28/11/2012</a:t>
             </a:fld>
             <a:endParaRPr lang="fr-FR"/>
           </a:p>
@@ -638,7 +638,7 @@
           <a:p>
             <a:fld id="{9590FFE3-C293-4A33-9B39-8AEB2E816A96}" type="datetimeFigureOut">
               <a:rPr lang="fr-FR" smtClean="0"/>
-              <a:t>19/10/2012</a:t>
+              <a:t>28/11/2012</a:t>
             </a:fld>
             <a:endParaRPr lang="fr-FR"/>
           </a:p>
@@ -808,7 +808,7 @@
           <a:p>
             <a:fld id="{9590FFE3-C293-4A33-9B39-8AEB2E816A96}" type="datetimeFigureOut">
               <a:rPr lang="fr-FR" smtClean="0"/>
-              <a:t>19/10/2012</a:t>
+              <a:t>28/11/2012</a:t>
             </a:fld>
             <a:endParaRPr lang="fr-FR"/>
           </a:p>
@@ -1054,7 +1054,7 @@
           <a:p>
             <a:fld id="{9590FFE3-C293-4A33-9B39-8AEB2E816A96}" type="datetimeFigureOut">
               <a:rPr lang="fr-FR" smtClean="0"/>
-              <a:t>19/10/2012</a:t>
+              <a:t>28/11/2012</a:t>
             </a:fld>
             <a:endParaRPr lang="fr-FR"/>
           </a:p>
@@ -1342,7 +1342,7 @@
           <a:p>
             <a:fld id="{9590FFE3-C293-4A33-9B39-8AEB2E816A96}" type="datetimeFigureOut">
               <a:rPr lang="fr-FR" smtClean="0"/>
-              <a:t>19/10/2012</a:t>
+              <a:t>28/11/2012</a:t>
             </a:fld>
             <a:endParaRPr lang="fr-FR"/>
           </a:p>
@@ -1764,7 +1764,7 @@
           <a:p>
             <a:fld id="{9590FFE3-C293-4A33-9B39-8AEB2E816A96}" type="datetimeFigureOut">
               <a:rPr lang="fr-FR" smtClean="0"/>
-              <a:t>19/10/2012</a:t>
+              <a:t>28/11/2012</a:t>
             </a:fld>
             <a:endParaRPr lang="fr-FR"/>
           </a:p>
@@ -1882,7 +1882,7 @@
           <a:p>
             <a:fld id="{9590FFE3-C293-4A33-9B39-8AEB2E816A96}" type="datetimeFigureOut">
               <a:rPr lang="fr-FR" smtClean="0"/>
-              <a:t>19/10/2012</a:t>
+              <a:t>28/11/2012</a:t>
             </a:fld>
             <a:endParaRPr lang="fr-FR"/>
           </a:p>
@@ -1977,7 +1977,7 @@
           <a:p>
             <a:fld id="{9590FFE3-C293-4A33-9B39-8AEB2E816A96}" type="datetimeFigureOut">
               <a:rPr lang="fr-FR" smtClean="0"/>
-              <a:t>19/10/2012</a:t>
+              <a:t>28/11/2012</a:t>
             </a:fld>
             <a:endParaRPr lang="fr-FR"/>
           </a:p>
@@ -2254,7 +2254,7 @@
           <a:p>
             <a:fld id="{9590FFE3-C293-4A33-9B39-8AEB2E816A96}" type="datetimeFigureOut">
               <a:rPr lang="fr-FR" smtClean="0"/>
-              <a:t>19/10/2012</a:t>
+              <a:t>28/11/2012</a:t>
             </a:fld>
             <a:endParaRPr lang="fr-FR"/>
           </a:p>
@@ -2507,7 +2507,7 @@
           <a:p>
             <a:fld id="{9590FFE3-C293-4A33-9B39-8AEB2E816A96}" type="datetimeFigureOut">
               <a:rPr lang="fr-FR" smtClean="0"/>
-              <a:t>19/10/2012</a:t>
+              <a:t>28/11/2012</a:t>
             </a:fld>
             <a:endParaRPr lang="fr-FR"/>
           </a:p>
@@ -2720,7 +2720,7 @@
           <a:p>
             <a:fld id="{9590FFE3-C293-4A33-9B39-8AEB2E816A96}" type="datetimeFigureOut">
               <a:rPr lang="fr-FR" smtClean="0"/>
-              <a:t>19/10/2012</a:t>
+              <a:t>28/11/2012</a:t>
             </a:fld>
             <a:endParaRPr lang="fr-FR"/>
           </a:p>
@@ -3359,8 +3359,8 @@
         </p:nvSpPr>
         <p:spPr>
           <a:xfrm>
-            <a:off x="6876256" y="909074"/>
-            <a:ext cx="1656223" cy="584775"/>
+            <a:off x="7014116" y="909074"/>
+            <a:ext cx="1380506" cy="584775"/>
           </a:xfrm>
           <a:prstGeom prst="rect">
             <a:avLst/>
@@ -3375,7 +3375,7 @@
           <a:p>
             <a:pPr algn="ctr"/>
             <a:r>
-              <a:rPr lang="en-US" sz="3200" b="1" cap="none" spc="50" dirty="0" smtClean="0">
+              <a:rPr lang="en-US" sz="3200" b="1" cap="none" spc="50" smtClean="0">
                 <a:ln w="12700" cmpd="sng">
                   <a:solidFill>
                     <a:schemeClr val="accent6">
@@ -3399,7 +3399,7 @@
                   </a:glow>
                 </a:effectLst>
               </a:rPr>
-              <a:t>{{hello}}</a:t>
+              <a:t>{{cell}}</a:t>
             </a:r>
             <a:endParaRPr lang="en-US" sz="3200" b="1" cap="none" spc="50" dirty="0">
               <a:ln w="12700" cmpd="sng">
